--- a/python-pptx/doc_and_ppt/testjson2.pptx
+++ b/python-pptx/doc_and_ppt/testjson2.pptx
@@ -5,17 +5,17 @@
     <p:sldMasterId id="2147483648" r:id="rId1"/>
   </p:sldMasterIdLst>
   <p:sldIdLst>
-    <p:sldId id="256" r:id="rId2"/>
-    <p:sldId id="257" r:id="rId3"/>
-    <p:sldId id="258" r:id="rId4"/>
-    <p:sldId id="259" r:id="rId5"/>
-    <p:sldId id="260" r:id="rId6"/>
-    <p:sldId id="261" r:id="rId7"/>
-    <p:sldId id="262" r:id="rId8"/>
-    <p:sldId id="263" r:id="rId9"/>
-    <p:sldId id="264" r:id="rId10"/>
-    <p:sldId id="265" r:id="rId11"/>
-    <p:sldId id="266" r:id="rId12"/>
+    <p:sldId id="256" r:id="rId7"/>
+    <p:sldId id="257" r:id="rId8"/>
+    <p:sldId id="258" r:id="rId9"/>
+    <p:sldId id="259" r:id="rId10"/>
+    <p:sldId id="260" r:id="rId11"/>
+    <p:sldId id="261" r:id="rId12"/>
+    <p:sldId id="262" r:id="rId13"/>
+    <p:sldId id="263" r:id="rId14"/>
+    <p:sldId id="264" r:id="rId15"/>
+    <p:sldId id="265" r:id="rId16"/>
+    <p:sldId id="266" r:id="rId17"/>
   </p:sldIdLst>
   <p:sldSz cx="9144000" cy="6858000" type="screen4x3"/>
   <p:notesSz cx="6858000" cy="9144000"/>
@@ -114,22 +114,6 @@
       </a:defRPr>
     </a:lvl9pPr>
   </p:defaultTextStyle>
-  <p:extLst>
-    <p:ext uri="{EFAFB233-063F-42B5-8137-9DF3F51BA10A}">
-      <p15:sldGuideLst xmlns:p15="http://schemas.microsoft.com/office/powerpoint/2012/main">
-        <p15:guide id="1" orient="horz" pos="2160">
-          <p15:clr>
-            <a:srgbClr val="A4A3A4"/>
-          </p15:clr>
-        </p15:guide>
-        <p15:guide id="2" pos="2880">
-          <p15:clr>
-            <a:srgbClr val="A4A3A4"/>
-          </p15:clr>
-        </p15:guide>
-      </p15:sldGuideLst>
-    </p:ext>
-  </p:extLst>
 </p:presentation>
 </file>
 
@@ -171,9 +155,10 @@
           <a:lstStyle/>
           <a:p>
             <a:r>
-              <a:rPr lang="en-US"/>
+              <a:rPr lang="en-US" smtClean="0"/>
               <a:t>Click to edit Master title style</a:t>
             </a:r>
+            <a:endParaRPr lang="en-US"/>
           </a:p>
         </p:txBody>
       </p:sp>
@@ -289,9 +274,10 @@
           </a:lstStyle>
           <a:p>
             <a:r>
-              <a:rPr lang="en-US"/>
+              <a:rPr lang="en-US" smtClean="0"/>
               <a:t>Click to edit Master subtitle style</a:t>
             </a:r>
+            <a:endParaRPr lang="en-US"/>
           </a:p>
         </p:txBody>
       </p:sp>
@@ -312,7 +298,7 @@
           <a:p>
             <a:fld id="{5BCAD085-E8A6-8845-BD4E-CB4CCA059FC4}" type="datetimeFigureOut">
               <a:rPr lang="en-US" smtClean="0"/>
-              <a:t>1/24/2021</a:t>
+              <a:t>1/27/13</a:t>
             </a:fld>
             <a:endParaRPr lang="en-US"/>
           </a:p>
@@ -354,7 +340,7 @@
           <a:p>
             <a:fld id="{C1FF6DA9-008F-8B48-92A6-B652298478BF}" type="slidenum">
               <a:rPr lang="en-US" smtClean="0"/>
-              <a:t>‹N°›</a:t>
+              <a:t>‹#›</a:t>
             </a:fld>
             <a:endParaRPr lang="en-US"/>
           </a:p>
@@ -406,9 +392,10 @@
           <a:lstStyle/>
           <a:p>
             <a:r>
-              <a:rPr lang="en-US"/>
+              <a:rPr lang="en-US" smtClean="0"/>
               <a:t>Click to edit Master title style</a:t>
             </a:r>
+            <a:endParaRPr lang="en-US"/>
           </a:p>
         </p:txBody>
       </p:sp>
@@ -429,37 +416,38 @@
           <a:p>
             <a:pPr lvl="0"/>
             <a:r>
-              <a:rPr lang="en-US"/>
+              <a:rPr lang="en-US" smtClean="0"/>
               <a:t>Click to edit Master text styles</a:t>
             </a:r>
           </a:p>
           <a:p>
             <a:pPr lvl="1"/>
             <a:r>
-              <a:rPr lang="en-US"/>
+              <a:rPr lang="en-US" smtClean="0"/>
               <a:t>Second level</a:t>
             </a:r>
           </a:p>
           <a:p>
             <a:pPr lvl="2"/>
             <a:r>
-              <a:rPr lang="en-US"/>
+              <a:rPr lang="en-US" smtClean="0"/>
               <a:t>Third level</a:t>
             </a:r>
           </a:p>
           <a:p>
             <a:pPr lvl="3"/>
             <a:r>
-              <a:rPr lang="en-US"/>
+              <a:rPr lang="en-US" smtClean="0"/>
               <a:t>Fourth level</a:t>
             </a:r>
           </a:p>
           <a:p>
             <a:pPr lvl="4"/>
             <a:r>
-              <a:rPr lang="en-US"/>
+              <a:rPr lang="en-US" smtClean="0"/>
               <a:t>Fifth level</a:t>
             </a:r>
+            <a:endParaRPr lang="en-US"/>
           </a:p>
         </p:txBody>
       </p:sp>
@@ -480,7 +468,7 @@
           <a:p>
             <a:fld id="{5BCAD085-E8A6-8845-BD4E-CB4CCA059FC4}" type="datetimeFigureOut">
               <a:rPr lang="en-US" smtClean="0"/>
-              <a:t>1/24/2021</a:t>
+              <a:t>1/27/13</a:t>
             </a:fld>
             <a:endParaRPr lang="en-US"/>
           </a:p>
@@ -522,7 +510,7 @@
           <a:p>
             <a:fld id="{C1FF6DA9-008F-8B48-92A6-B652298478BF}" type="slidenum">
               <a:rPr lang="en-US" smtClean="0"/>
-              <a:t>‹N°›</a:t>
+              <a:t>‹#›</a:t>
             </a:fld>
             <a:endParaRPr lang="en-US"/>
           </a:p>
@@ -579,9 +567,10 @@
           <a:lstStyle/>
           <a:p>
             <a:r>
-              <a:rPr lang="en-US"/>
+              <a:rPr lang="en-US" smtClean="0"/>
               <a:t>Click to edit Master title style</a:t>
             </a:r>
+            <a:endParaRPr lang="en-US"/>
           </a:p>
         </p:txBody>
       </p:sp>
@@ -607,37 +596,38 @@
           <a:p>
             <a:pPr lvl="0"/>
             <a:r>
-              <a:rPr lang="en-US"/>
+              <a:rPr lang="en-US" smtClean="0"/>
               <a:t>Click to edit Master text styles</a:t>
             </a:r>
           </a:p>
           <a:p>
             <a:pPr lvl="1"/>
             <a:r>
-              <a:rPr lang="en-US"/>
+              <a:rPr lang="en-US" smtClean="0"/>
               <a:t>Second level</a:t>
             </a:r>
           </a:p>
           <a:p>
             <a:pPr lvl="2"/>
             <a:r>
-              <a:rPr lang="en-US"/>
+              <a:rPr lang="en-US" smtClean="0"/>
               <a:t>Third level</a:t>
             </a:r>
           </a:p>
           <a:p>
             <a:pPr lvl="3"/>
             <a:r>
-              <a:rPr lang="en-US"/>
+              <a:rPr lang="en-US" smtClean="0"/>
               <a:t>Fourth level</a:t>
             </a:r>
           </a:p>
           <a:p>
             <a:pPr lvl="4"/>
             <a:r>
-              <a:rPr lang="en-US"/>
+              <a:rPr lang="en-US" smtClean="0"/>
               <a:t>Fifth level</a:t>
             </a:r>
+            <a:endParaRPr lang="en-US"/>
           </a:p>
         </p:txBody>
       </p:sp>
@@ -658,7 +648,7 @@
           <a:p>
             <a:fld id="{5BCAD085-E8A6-8845-BD4E-CB4CCA059FC4}" type="datetimeFigureOut">
               <a:rPr lang="en-US" smtClean="0"/>
-              <a:t>1/24/2021</a:t>
+              <a:t>1/27/13</a:t>
             </a:fld>
             <a:endParaRPr lang="en-US"/>
           </a:p>
@@ -700,7 +690,7 @@
           <a:p>
             <a:fld id="{C1FF6DA9-008F-8B48-92A6-B652298478BF}" type="slidenum">
               <a:rPr lang="en-US" smtClean="0"/>
-              <a:t>‹N°›</a:t>
+              <a:t>‹#›</a:t>
             </a:fld>
             <a:endParaRPr lang="en-US"/>
           </a:p>
@@ -752,9 +742,10 @@
           <a:lstStyle/>
           <a:p>
             <a:r>
-              <a:rPr lang="en-US"/>
+              <a:rPr lang="en-US" smtClean="0"/>
               <a:t>Click to edit Master title style</a:t>
             </a:r>
+            <a:endParaRPr lang="en-US"/>
           </a:p>
         </p:txBody>
       </p:sp>
@@ -775,37 +766,38 @@
           <a:p>
             <a:pPr lvl="0"/>
             <a:r>
-              <a:rPr lang="en-US"/>
+              <a:rPr lang="en-US" smtClean="0"/>
               <a:t>Click to edit Master text styles</a:t>
             </a:r>
           </a:p>
           <a:p>
             <a:pPr lvl="1"/>
             <a:r>
-              <a:rPr lang="en-US"/>
+              <a:rPr lang="en-US" smtClean="0"/>
               <a:t>Second level</a:t>
             </a:r>
           </a:p>
           <a:p>
             <a:pPr lvl="2"/>
             <a:r>
-              <a:rPr lang="en-US"/>
+              <a:rPr lang="en-US" smtClean="0"/>
               <a:t>Third level</a:t>
             </a:r>
           </a:p>
           <a:p>
             <a:pPr lvl="3"/>
             <a:r>
-              <a:rPr lang="en-US"/>
+              <a:rPr lang="en-US" smtClean="0"/>
               <a:t>Fourth level</a:t>
             </a:r>
           </a:p>
           <a:p>
             <a:pPr lvl="4"/>
             <a:r>
-              <a:rPr lang="en-US"/>
+              <a:rPr lang="en-US" smtClean="0"/>
               <a:t>Fifth level</a:t>
             </a:r>
+            <a:endParaRPr lang="en-US"/>
           </a:p>
         </p:txBody>
       </p:sp>
@@ -826,7 +818,7 @@
           <a:p>
             <a:fld id="{5BCAD085-E8A6-8845-BD4E-CB4CCA059FC4}" type="datetimeFigureOut">
               <a:rPr lang="en-US" smtClean="0"/>
-              <a:t>1/24/2021</a:t>
+              <a:t>1/27/13</a:t>
             </a:fld>
             <a:endParaRPr lang="en-US"/>
           </a:p>
@@ -868,7 +860,7 @@
           <a:p>
             <a:fld id="{C1FF6DA9-008F-8B48-92A6-B652298478BF}" type="slidenum">
               <a:rPr lang="en-US" smtClean="0"/>
-              <a:t>‹N°›</a:t>
+              <a:t>‹#›</a:t>
             </a:fld>
             <a:endParaRPr lang="en-US"/>
           </a:p>
@@ -929,9 +921,10 @@
           </a:lstStyle>
           <a:p>
             <a:r>
-              <a:rPr lang="en-US"/>
+              <a:rPr lang="en-US" smtClean="0"/>
               <a:t>Click to edit Master title style</a:t>
             </a:r>
+            <a:endParaRPr lang="en-US"/>
           </a:p>
         </p:txBody>
       </p:sp>
@@ -1048,7 +1041,7 @@
           <a:p>
             <a:pPr lvl="0"/>
             <a:r>
-              <a:rPr lang="en-US"/>
+              <a:rPr lang="en-US" smtClean="0"/>
               <a:t>Click to edit Master text styles</a:t>
             </a:r>
           </a:p>
@@ -1071,7 +1064,7 @@
           <a:p>
             <a:fld id="{5BCAD085-E8A6-8845-BD4E-CB4CCA059FC4}" type="datetimeFigureOut">
               <a:rPr lang="en-US" smtClean="0"/>
-              <a:t>1/24/2021</a:t>
+              <a:t>1/27/13</a:t>
             </a:fld>
             <a:endParaRPr lang="en-US"/>
           </a:p>
@@ -1113,7 +1106,7 @@
           <a:p>
             <a:fld id="{C1FF6DA9-008F-8B48-92A6-B652298478BF}" type="slidenum">
               <a:rPr lang="en-US" smtClean="0"/>
-              <a:t>‹N°›</a:t>
+              <a:t>‹#›</a:t>
             </a:fld>
             <a:endParaRPr lang="en-US"/>
           </a:p>
@@ -1165,9 +1158,10 @@
           <a:lstStyle/>
           <a:p>
             <a:r>
-              <a:rPr lang="en-US"/>
+              <a:rPr lang="en-US" smtClean="0"/>
               <a:t>Click to edit Master title style</a:t>
             </a:r>
+            <a:endParaRPr lang="en-US"/>
           </a:p>
         </p:txBody>
       </p:sp>
@@ -1221,37 +1215,38 @@
           <a:p>
             <a:pPr lvl="0"/>
             <a:r>
-              <a:rPr lang="en-US"/>
+              <a:rPr lang="en-US" smtClean="0"/>
               <a:t>Click to edit Master text styles</a:t>
             </a:r>
           </a:p>
           <a:p>
             <a:pPr lvl="1"/>
             <a:r>
-              <a:rPr lang="en-US"/>
+              <a:rPr lang="en-US" smtClean="0"/>
               <a:t>Second level</a:t>
             </a:r>
           </a:p>
           <a:p>
             <a:pPr lvl="2"/>
             <a:r>
-              <a:rPr lang="en-US"/>
+              <a:rPr lang="en-US" smtClean="0"/>
               <a:t>Third level</a:t>
             </a:r>
           </a:p>
           <a:p>
             <a:pPr lvl="3"/>
             <a:r>
-              <a:rPr lang="en-US"/>
+              <a:rPr lang="en-US" smtClean="0"/>
               <a:t>Fourth level</a:t>
             </a:r>
           </a:p>
           <a:p>
             <a:pPr lvl="4"/>
             <a:r>
-              <a:rPr lang="en-US"/>
+              <a:rPr lang="en-US" smtClean="0"/>
               <a:t>Fifth level</a:t>
             </a:r>
+            <a:endParaRPr lang="en-US"/>
           </a:p>
         </p:txBody>
       </p:sp>
@@ -1305,37 +1300,38 @@
           <a:p>
             <a:pPr lvl="0"/>
             <a:r>
-              <a:rPr lang="en-US"/>
+              <a:rPr lang="en-US" smtClean="0"/>
               <a:t>Click to edit Master text styles</a:t>
             </a:r>
           </a:p>
           <a:p>
             <a:pPr lvl="1"/>
             <a:r>
-              <a:rPr lang="en-US"/>
+              <a:rPr lang="en-US" smtClean="0"/>
               <a:t>Second level</a:t>
             </a:r>
           </a:p>
           <a:p>
             <a:pPr lvl="2"/>
             <a:r>
-              <a:rPr lang="en-US"/>
+              <a:rPr lang="en-US" smtClean="0"/>
               <a:t>Third level</a:t>
             </a:r>
           </a:p>
           <a:p>
             <a:pPr lvl="3"/>
             <a:r>
-              <a:rPr lang="en-US"/>
+              <a:rPr lang="en-US" smtClean="0"/>
               <a:t>Fourth level</a:t>
             </a:r>
           </a:p>
           <a:p>
             <a:pPr lvl="4"/>
             <a:r>
-              <a:rPr lang="en-US"/>
+              <a:rPr lang="en-US" smtClean="0"/>
               <a:t>Fifth level</a:t>
             </a:r>
+            <a:endParaRPr lang="en-US"/>
           </a:p>
         </p:txBody>
       </p:sp>
@@ -1356,7 +1352,7 @@
           <a:p>
             <a:fld id="{5BCAD085-E8A6-8845-BD4E-CB4CCA059FC4}" type="datetimeFigureOut">
               <a:rPr lang="en-US" smtClean="0"/>
-              <a:t>1/24/2021</a:t>
+              <a:t>1/27/13</a:t>
             </a:fld>
             <a:endParaRPr lang="en-US"/>
           </a:p>
@@ -1398,7 +1394,7 @@
           <a:p>
             <a:fld id="{C1FF6DA9-008F-8B48-92A6-B652298478BF}" type="slidenum">
               <a:rPr lang="en-US" smtClean="0"/>
-              <a:t>‹N°›</a:t>
+              <a:t>‹#›</a:t>
             </a:fld>
             <a:endParaRPr lang="en-US"/>
           </a:p>
@@ -1454,9 +1450,10 @@
           </a:lstStyle>
           <a:p>
             <a:r>
-              <a:rPr lang="en-US"/>
+              <a:rPr lang="en-US" smtClean="0"/>
               <a:t>Click to edit Master title style</a:t>
             </a:r>
+            <a:endParaRPr lang="en-US"/>
           </a:p>
         </p:txBody>
       </p:sp>
@@ -1519,7 +1516,7 @@
           <a:p>
             <a:pPr lvl="0"/>
             <a:r>
-              <a:rPr lang="en-US"/>
+              <a:rPr lang="en-US" smtClean="0"/>
               <a:t>Click to edit Master text styles</a:t>
             </a:r>
           </a:p>
@@ -1575,37 +1572,38 @@
           <a:p>
             <a:pPr lvl="0"/>
             <a:r>
-              <a:rPr lang="en-US"/>
+              <a:rPr lang="en-US" smtClean="0"/>
               <a:t>Click to edit Master text styles</a:t>
             </a:r>
           </a:p>
           <a:p>
             <a:pPr lvl="1"/>
             <a:r>
-              <a:rPr lang="en-US"/>
+              <a:rPr lang="en-US" smtClean="0"/>
               <a:t>Second level</a:t>
             </a:r>
           </a:p>
           <a:p>
             <a:pPr lvl="2"/>
             <a:r>
-              <a:rPr lang="en-US"/>
+              <a:rPr lang="en-US" smtClean="0"/>
               <a:t>Third level</a:t>
             </a:r>
           </a:p>
           <a:p>
             <a:pPr lvl="3"/>
             <a:r>
-              <a:rPr lang="en-US"/>
+              <a:rPr lang="en-US" smtClean="0"/>
               <a:t>Fourth level</a:t>
             </a:r>
           </a:p>
           <a:p>
             <a:pPr lvl="4"/>
             <a:r>
-              <a:rPr lang="en-US"/>
+              <a:rPr lang="en-US" smtClean="0"/>
               <a:t>Fifth level</a:t>
             </a:r>
+            <a:endParaRPr lang="en-US"/>
           </a:p>
         </p:txBody>
       </p:sp>
@@ -1668,7 +1666,7 @@
           <a:p>
             <a:pPr lvl="0"/>
             <a:r>
-              <a:rPr lang="en-US"/>
+              <a:rPr lang="en-US" smtClean="0"/>
               <a:t>Click to edit Master text styles</a:t>
             </a:r>
           </a:p>
@@ -1724,37 +1722,38 @@
           <a:p>
             <a:pPr lvl="0"/>
             <a:r>
-              <a:rPr lang="en-US"/>
+              <a:rPr lang="en-US" smtClean="0"/>
               <a:t>Click to edit Master text styles</a:t>
             </a:r>
           </a:p>
           <a:p>
             <a:pPr lvl="1"/>
             <a:r>
-              <a:rPr lang="en-US"/>
+              <a:rPr lang="en-US" smtClean="0"/>
               <a:t>Second level</a:t>
             </a:r>
           </a:p>
           <a:p>
             <a:pPr lvl="2"/>
             <a:r>
-              <a:rPr lang="en-US"/>
+              <a:rPr lang="en-US" smtClean="0"/>
               <a:t>Third level</a:t>
             </a:r>
           </a:p>
           <a:p>
             <a:pPr lvl="3"/>
             <a:r>
-              <a:rPr lang="en-US"/>
+              <a:rPr lang="en-US" smtClean="0"/>
               <a:t>Fourth level</a:t>
             </a:r>
           </a:p>
           <a:p>
             <a:pPr lvl="4"/>
             <a:r>
-              <a:rPr lang="en-US"/>
+              <a:rPr lang="en-US" smtClean="0"/>
               <a:t>Fifth level</a:t>
             </a:r>
+            <a:endParaRPr lang="en-US"/>
           </a:p>
         </p:txBody>
       </p:sp>
@@ -1775,7 +1774,7 @@
           <a:p>
             <a:fld id="{5BCAD085-E8A6-8845-BD4E-CB4CCA059FC4}" type="datetimeFigureOut">
               <a:rPr lang="en-US" smtClean="0"/>
-              <a:t>1/24/2021</a:t>
+              <a:t>1/27/13</a:t>
             </a:fld>
             <a:endParaRPr lang="en-US"/>
           </a:p>
@@ -1817,7 +1816,7 @@
           <a:p>
             <a:fld id="{C1FF6DA9-008F-8B48-92A6-B652298478BF}" type="slidenum">
               <a:rPr lang="en-US" smtClean="0"/>
-              <a:t>‹N°›</a:t>
+              <a:t>‹#›</a:t>
             </a:fld>
             <a:endParaRPr lang="en-US"/>
           </a:p>
@@ -1869,9 +1868,10 @@
           <a:lstStyle/>
           <a:p>
             <a:r>
-              <a:rPr lang="en-US"/>
+              <a:rPr lang="en-US" smtClean="0"/>
               <a:t>Click to edit Master title style</a:t>
             </a:r>
+            <a:endParaRPr lang="en-US"/>
           </a:p>
         </p:txBody>
       </p:sp>
@@ -1892,7 +1892,7 @@
           <a:p>
             <a:fld id="{5BCAD085-E8A6-8845-BD4E-CB4CCA059FC4}" type="datetimeFigureOut">
               <a:rPr lang="en-US" smtClean="0"/>
-              <a:t>1/24/2021</a:t>
+              <a:t>1/27/13</a:t>
             </a:fld>
             <a:endParaRPr lang="en-US"/>
           </a:p>
@@ -1934,7 +1934,7 @@
           <a:p>
             <a:fld id="{C1FF6DA9-008F-8B48-92A6-B652298478BF}" type="slidenum">
               <a:rPr lang="en-US" smtClean="0"/>
-              <a:t>‹N°›</a:t>
+              <a:t>‹#›</a:t>
             </a:fld>
             <a:endParaRPr lang="en-US"/>
           </a:p>
@@ -1987,7 +1987,7 @@
           <a:p>
             <a:fld id="{5BCAD085-E8A6-8845-BD4E-CB4CCA059FC4}" type="datetimeFigureOut">
               <a:rPr lang="en-US" smtClean="0"/>
-              <a:t>1/24/2021</a:t>
+              <a:t>1/27/13</a:t>
             </a:fld>
             <a:endParaRPr lang="en-US"/>
           </a:p>
@@ -2029,7 +2029,7 @@
           <a:p>
             <a:fld id="{C1FF6DA9-008F-8B48-92A6-B652298478BF}" type="slidenum">
               <a:rPr lang="en-US" smtClean="0"/>
-              <a:t>‹N°›</a:t>
+              <a:t>‹#›</a:t>
             </a:fld>
             <a:endParaRPr lang="en-US"/>
           </a:p>
@@ -2090,9 +2090,10 @@
           </a:lstStyle>
           <a:p>
             <a:r>
-              <a:rPr lang="en-US"/>
+              <a:rPr lang="en-US" smtClean="0"/>
               <a:t>Click to edit Master title style</a:t>
             </a:r>
+            <a:endParaRPr lang="en-US"/>
           </a:p>
         </p:txBody>
       </p:sp>
@@ -2146,37 +2147,38 @@
           <a:p>
             <a:pPr lvl="0"/>
             <a:r>
-              <a:rPr lang="en-US"/>
+              <a:rPr lang="en-US" smtClean="0"/>
               <a:t>Click to edit Master text styles</a:t>
             </a:r>
           </a:p>
           <a:p>
             <a:pPr lvl="1"/>
             <a:r>
-              <a:rPr lang="en-US"/>
+              <a:rPr lang="en-US" smtClean="0"/>
               <a:t>Second level</a:t>
             </a:r>
           </a:p>
           <a:p>
             <a:pPr lvl="2"/>
             <a:r>
-              <a:rPr lang="en-US"/>
+              <a:rPr lang="en-US" smtClean="0"/>
               <a:t>Third level</a:t>
             </a:r>
           </a:p>
           <a:p>
             <a:pPr lvl="3"/>
             <a:r>
-              <a:rPr lang="en-US"/>
+              <a:rPr lang="en-US" smtClean="0"/>
               <a:t>Fourth level</a:t>
             </a:r>
           </a:p>
           <a:p>
             <a:pPr lvl="4"/>
             <a:r>
-              <a:rPr lang="en-US"/>
+              <a:rPr lang="en-US" smtClean="0"/>
               <a:t>Fifth level</a:t>
             </a:r>
+            <a:endParaRPr lang="en-US"/>
           </a:p>
         </p:txBody>
       </p:sp>
@@ -2239,7 +2241,7 @@
           <a:p>
             <a:pPr lvl="0"/>
             <a:r>
-              <a:rPr lang="en-US"/>
+              <a:rPr lang="en-US" smtClean="0"/>
               <a:t>Click to edit Master text styles</a:t>
             </a:r>
           </a:p>
@@ -2262,7 +2264,7 @@
           <a:p>
             <a:fld id="{5BCAD085-E8A6-8845-BD4E-CB4CCA059FC4}" type="datetimeFigureOut">
               <a:rPr lang="en-US" smtClean="0"/>
-              <a:t>1/24/2021</a:t>
+              <a:t>1/27/13</a:t>
             </a:fld>
             <a:endParaRPr lang="en-US"/>
           </a:p>
@@ -2304,7 +2306,7 @@
           <a:p>
             <a:fld id="{C1FF6DA9-008F-8B48-92A6-B652298478BF}" type="slidenum">
               <a:rPr lang="en-US" smtClean="0"/>
-              <a:t>‹N°›</a:t>
+              <a:t>‹#›</a:t>
             </a:fld>
             <a:endParaRPr lang="en-US"/>
           </a:p>
@@ -2365,9 +2367,10 @@
           </a:lstStyle>
           <a:p>
             <a:r>
-              <a:rPr lang="en-US"/>
+              <a:rPr lang="en-US" smtClean="0"/>
               <a:t>Click to edit Master title style</a:t>
             </a:r>
+            <a:endParaRPr lang="en-US"/>
           </a:p>
         </p:txBody>
       </p:sp>
@@ -2491,7 +2494,7 @@
           <a:p>
             <a:pPr lvl="0"/>
             <a:r>
-              <a:rPr lang="en-US"/>
+              <a:rPr lang="en-US" smtClean="0"/>
               <a:t>Click to edit Master text styles</a:t>
             </a:r>
           </a:p>
@@ -2514,7 +2517,7 @@
           <a:p>
             <a:fld id="{5BCAD085-E8A6-8845-BD4E-CB4CCA059FC4}" type="datetimeFigureOut">
               <a:rPr lang="en-US" smtClean="0"/>
-              <a:t>1/24/2021</a:t>
+              <a:t>1/27/13</a:t>
             </a:fld>
             <a:endParaRPr lang="en-US"/>
           </a:p>
@@ -2556,7 +2559,7 @@
           <a:p>
             <a:fld id="{C1FF6DA9-008F-8B48-92A6-B652298478BF}" type="slidenum">
               <a:rPr lang="en-US" smtClean="0"/>
-              <a:t>‹N°›</a:t>
+              <a:t>‹#›</a:t>
             </a:fld>
             <a:endParaRPr lang="en-US"/>
           </a:p>
@@ -2623,9 +2626,10 @@
           <a:lstStyle/>
           <a:p>
             <a:r>
-              <a:rPr lang="en-US"/>
+              <a:rPr lang="en-US" smtClean="0"/>
               <a:t>Click to edit Master title style</a:t>
             </a:r>
+            <a:endParaRPr lang="en-US"/>
           </a:p>
         </p:txBody>
       </p:sp>
@@ -2656,37 +2660,38 @@
           <a:p>
             <a:pPr lvl="0"/>
             <a:r>
-              <a:rPr lang="en-US"/>
+              <a:rPr lang="en-US" smtClean="0"/>
               <a:t>Click to edit Master text styles</a:t>
             </a:r>
           </a:p>
           <a:p>
             <a:pPr lvl="1"/>
             <a:r>
-              <a:rPr lang="en-US"/>
+              <a:rPr lang="en-US" smtClean="0"/>
               <a:t>Second level</a:t>
             </a:r>
           </a:p>
           <a:p>
             <a:pPr lvl="2"/>
             <a:r>
-              <a:rPr lang="en-US"/>
+              <a:rPr lang="en-US" smtClean="0"/>
               <a:t>Third level</a:t>
             </a:r>
           </a:p>
           <a:p>
             <a:pPr lvl="3"/>
             <a:r>
-              <a:rPr lang="en-US"/>
+              <a:rPr lang="en-US" smtClean="0"/>
               <a:t>Fourth level</a:t>
             </a:r>
           </a:p>
           <a:p>
             <a:pPr lvl="4"/>
             <a:r>
-              <a:rPr lang="en-US"/>
+              <a:rPr lang="en-US" smtClean="0"/>
               <a:t>Fifth level</a:t>
             </a:r>
+            <a:endParaRPr lang="en-US"/>
           </a:p>
         </p:txBody>
       </p:sp>
@@ -2725,7 +2730,7 @@
           <a:p>
             <a:fld id="{5BCAD085-E8A6-8845-BD4E-CB4CCA059FC4}" type="datetimeFigureOut">
               <a:rPr lang="en-US" smtClean="0"/>
-              <a:t>1/24/2021</a:t>
+              <a:t>1/27/13</a:t>
             </a:fld>
             <a:endParaRPr lang="en-US"/>
           </a:p>
@@ -2803,7 +2808,7 @@
           <a:p>
             <a:fld id="{C1FF6DA9-008F-8B48-92A6-B652298478BF}" type="slidenum">
               <a:rPr lang="en-US" smtClean="0"/>
-              <a:t>‹N°›</a:t>
+              <a:t>‹#›</a:t>
             </a:fld>
             <a:endParaRPr lang="en-US"/>
           </a:p>
@@ -3084,7 +3089,7 @@
 </file>
 
 <file path=ppt/slides/slide1.xml><?xml version="1.0" encoding="utf-8"?>
-<p:sld xmlns:a="http://schemas.openxmlformats.org/drawingml/2006/main" xmlns:r="http://schemas.openxmlformats.org/officeDocument/2006/relationships" xmlns:p="http://schemas.openxmlformats.org/presentationml/2006/main">
+<p:sld xmlns:a="http://schemas.openxmlformats.org/drawingml/2006/main" xmlns:p="http://schemas.openxmlformats.org/presentationml/2006/main" xmlns:r="http://schemas.openxmlformats.org/officeDocument/2006/relationships">
   <p:cSld>
     <p:spTree>
       <p:nvGrpSpPr>
@@ -3092,14 +3097,7 @@
         <p:cNvGrpSpPr/>
         <p:nvPr/>
       </p:nvGrpSpPr>
-      <p:grpSpPr>
-        <a:xfrm>
-          <a:off x="0" y="0"/>
-          <a:ext cx="0" cy="0"/>
-          <a:chOff x="0" y="0"/>
-          <a:chExt cx="0" cy="0"/>
-        </a:xfrm>
-      </p:grpSpPr>
+      <p:grpSpPr/>
       <p:sp>
         <p:nvSpPr>
           <p:cNvPr id="2" name="Title 1"/>
@@ -3151,7 +3149,7 @@
 </file>
 
 <file path=ppt/slides/slide10.xml><?xml version="1.0" encoding="utf-8"?>
-<p:sld xmlns:a="http://schemas.openxmlformats.org/drawingml/2006/main" xmlns:r="http://schemas.openxmlformats.org/officeDocument/2006/relationships" xmlns:p="http://schemas.openxmlformats.org/presentationml/2006/main">
+<p:sld xmlns:a="http://schemas.openxmlformats.org/drawingml/2006/main" xmlns:p="http://schemas.openxmlformats.org/presentationml/2006/main" xmlns:r="http://schemas.openxmlformats.org/officeDocument/2006/relationships">
   <p:cSld>
     <p:spTree>
       <p:nvGrpSpPr>
@@ -3159,14 +3157,7 @@
         <p:cNvGrpSpPr/>
         <p:nvPr/>
       </p:nvGrpSpPr>
-      <p:grpSpPr>
-        <a:xfrm>
-          <a:off x="0" y="0"/>
-          <a:ext cx="0" cy="0"/>
-          <a:chOff x="0" y="0"/>
-          <a:chExt cx="0" cy="0"/>
-        </a:xfrm>
-      </p:grpSpPr>
+      <p:grpSpPr/>
       <p:sp>
         <p:nvSpPr>
           <p:cNvPr id="2" name="Title 1"/>
@@ -3195,16 +3186,14 @@
             <a:spLocks noGrp="1"/>
           </p:cNvSpPr>
           <p:nvPr>
-            <p:ph sz="half" idx="1"/>
-          </p:nvPr>
-        </p:nvSpPr>
-        <p:spPr/>
-        <p:txBody>
-          <a:bodyPr/>
-          <a:lstStyle/>
-          <a:p>
-            <a:endParaRPr/>
-          </a:p>
+            <p:ph idx="1" sz="half"/>
+          </p:nvPr>
+        </p:nvSpPr>
+        <p:spPr/>
+        <p:txBody>
+          <a:bodyPr/>
+          <a:lstStyle/>
+          <a:p/>
         </p:txBody>
       </p:sp>
       <p:sp>
@@ -3214,16 +3203,14 @@
             <a:spLocks noGrp="1"/>
           </p:cNvSpPr>
           <p:nvPr>
-            <p:ph sz="half" idx="2"/>
-          </p:nvPr>
-        </p:nvSpPr>
-        <p:spPr/>
-        <p:txBody>
-          <a:bodyPr/>
-          <a:lstStyle/>
-          <a:p>
-            <a:endParaRPr/>
-          </a:p>
+            <p:ph idx="2" sz="half"/>
+          </p:nvPr>
+        </p:nvSpPr>
+        <p:spPr/>
+        <p:txBody>
+          <a:bodyPr/>
+          <a:lstStyle/>
+          <a:p/>
         </p:txBody>
       </p:sp>
     </p:spTree>
@@ -3235,7 +3222,7 @@
 </file>
 
 <file path=ppt/slides/slide11.xml><?xml version="1.0" encoding="utf-8"?>
-<p:sld xmlns:a="http://schemas.openxmlformats.org/drawingml/2006/main" xmlns:r="http://schemas.openxmlformats.org/officeDocument/2006/relationships" xmlns:p="http://schemas.openxmlformats.org/presentationml/2006/main">
+<p:sld xmlns:a="http://schemas.openxmlformats.org/drawingml/2006/main" xmlns:p="http://schemas.openxmlformats.org/presentationml/2006/main" xmlns:r="http://schemas.openxmlformats.org/officeDocument/2006/relationships">
   <p:cSld>
     <p:spTree>
       <p:nvGrpSpPr>
@@ -3243,14 +3230,7 @@
         <p:cNvGrpSpPr/>
         <p:nvPr/>
       </p:nvGrpSpPr>
-      <p:grpSpPr>
-        <a:xfrm>
-          <a:off x="0" y="0"/>
-          <a:ext cx="0" cy="0"/>
-          <a:chOff x="0" y="0"/>
-          <a:chExt cx="0" cy="0"/>
-        </a:xfrm>
-      </p:grpSpPr>
+      <p:grpSpPr/>
       <p:sp>
         <p:nvSpPr>
           <p:cNvPr id="2" name="Title 1"/>
@@ -3307,7 +3287,7 @@
 </file>
 
 <file path=ppt/slides/slide2.xml><?xml version="1.0" encoding="utf-8"?>
-<p:sld xmlns:a="http://schemas.openxmlformats.org/drawingml/2006/main" xmlns:r="http://schemas.openxmlformats.org/officeDocument/2006/relationships" xmlns:p="http://schemas.openxmlformats.org/presentationml/2006/main">
+<p:sld xmlns:a="http://schemas.openxmlformats.org/drawingml/2006/main" xmlns:p="http://schemas.openxmlformats.org/presentationml/2006/main" xmlns:r="http://schemas.openxmlformats.org/officeDocument/2006/relationships">
   <p:cSld>
     <p:spTree>
       <p:nvGrpSpPr>
@@ -3315,14 +3295,7 @@
         <p:cNvGrpSpPr/>
         <p:nvPr/>
       </p:nvGrpSpPr>
-      <p:grpSpPr>
-        <a:xfrm>
-          <a:off x="0" y="0"/>
-          <a:ext cx="0" cy="0"/>
-          <a:chOff x="0" y="0"/>
-          <a:chExt cx="0" cy="0"/>
-        </a:xfrm>
-      </p:grpSpPr>
+      <p:grpSpPr/>
       <p:sp>
         <p:nvSpPr>
           <p:cNvPr id="2" name="Title 1"/>
@@ -3374,7 +3347,7 @@
 </file>
 
 <file path=ppt/slides/slide3.xml><?xml version="1.0" encoding="utf-8"?>
-<p:sld xmlns:a="http://schemas.openxmlformats.org/drawingml/2006/main" xmlns:r="http://schemas.openxmlformats.org/officeDocument/2006/relationships" xmlns:p="http://schemas.openxmlformats.org/presentationml/2006/main">
+<p:sld xmlns:a="http://schemas.openxmlformats.org/drawingml/2006/main" xmlns:p="http://schemas.openxmlformats.org/presentationml/2006/main" xmlns:r="http://schemas.openxmlformats.org/officeDocument/2006/relationships">
   <p:cSld>
     <p:spTree>
       <p:nvGrpSpPr>
@@ -3382,14 +3355,7 @@
         <p:cNvGrpSpPr/>
         <p:nvPr/>
       </p:nvGrpSpPr>
-      <p:grpSpPr>
-        <a:xfrm>
-          <a:off x="0" y="0"/>
-          <a:ext cx="0" cy="0"/>
-          <a:chOff x="0" y="0"/>
-          <a:chExt cx="0" cy="0"/>
-        </a:xfrm>
-      </p:grpSpPr>
+      <p:grpSpPr/>
       <p:sp>
         <p:nvSpPr>
           <p:cNvPr id="2" name="Title 1"/>
@@ -3418,16 +3384,14 @@
             <a:spLocks noGrp="1"/>
           </p:cNvSpPr>
           <p:nvPr>
-            <p:ph sz="half" idx="1"/>
-          </p:nvPr>
-        </p:nvSpPr>
-        <p:spPr/>
-        <p:txBody>
-          <a:bodyPr/>
-          <a:lstStyle/>
-          <a:p>
-            <a:endParaRPr/>
-          </a:p>
+            <p:ph idx="1" sz="half"/>
+          </p:nvPr>
+        </p:nvSpPr>
+        <p:spPr/>
+        <p:txBody>
+          <a:bodyPr/>
+          <a:lstStyle/>
+          <a:p/>
         </p:txBody>
       </p:sp>
       <p:sp>
@@ -3437,16 +3401,14 @@
             <a:spLocks noGrp="1"/>
           </p:cNvSpPr>
           <p:nvPr>
-            <p:ph sz="half" idx="2"/>
-          </p:nvPr>
-        </p:nvSpPr>
-        <p:spPr/>
-        <p:txBody>
-          <a:bodyPr/>
-          <a:lstStyle/>
-          <a:p>
-            <a:endParaRPr/>
-          </a:p>
+            <p:ph idx="2" sz="half"/>
+          </p:nvPr>
+        </p:nvSpPr>
+        <p:spPr/>
+        <p:txBody>
+          <a:bodyPr/>
+          <a:lstStyle/>
+          <a:p/>
         </p:txBody>
       </p:sp>
     </p:spTree>
@@ -3458,7 +3420,7 @@
 </file>
 
 <file path=ppt/slides/slide4.xml><?xml version="1.0" encoding="utf-8"?>
-<p:sld xmlns:a="http://schemas.openxmlformats.org/drawingml/2006/main" xmlns:r="http://schemas.openxmlformats.org/officeDocument/2006/relationships" xmlns:p="http://schemas.openxmlformats.org/presentationml/2006/main">
+<p:sld xmlns:a="http://schemas.openxmlformats.org/drawingml/2006/main" xmlns:p="http://schemas.openxmlformats.org/presentationml/2006/main" xmlns:r="http://schemas.openxmlformats.org/officeDocument/2006/relationships">
   <p:cSld>
     <p:spTree>
       <p:nvGrpSpPr>
@@ -3466,14 +3428,7 @@
         <p:cNvGrpSpPr/>
         <p:nvPr/>
       </p:nvGrpSpPr>
-      <p:grpSpPr>
-        <a:xfrm>
-          <a:off x="0" y="0"/>
-          <a:ext cx="0" cy="0"/>
-          <a:chOff x="0" y="0"/>
-          <a:chExt cx="0" cy="0"/>
-        </a:xfrm>
-      </p:grpSpPr>
+      <p:grpSpPr/>
       <p:sp>
         <p:nvSpPr>
           <p:cNvPr id="2" name="Title 1"/>
@@ -3530,7 +3485,7 @@
 </file>
 
 <file path=ppt/slides/slide5.xml><?xml version="1.0" encoding="utf-8"?>
-<p:sld xmlns:a="http://schemas.openxmlformats.org/drawingml/2006/main" xmlns:r="http://schemas.openxmlformats.org/officeDocument/2006/relationships" xmlns:p="http://schemas.openxmlformats.org/presentationml/2006/main">
+<p:sld xmlns:a="http://schemas.openxmlformats.org/drawingml/2006/main" xmlns:p="http://schemas.openxmlformats.org/presentationml/2006/main" xmlns:r="http://schemas.openxmlformats.org/officeDocument/2006/relationships">
   <p:cSld>
     <p:spTree>
       <p:nvGrpSpPr>
@@ -3538,14 +3493,7 @@
         <p:cNvGrpSpPr/>
         <p:nvPr/>
       </p:nvGrpSpPr>
-      <p:grpSpPr>
-        <a:xfrm>
-          <a:off x="0" y="0"/>
-          <a:ext cx="0" cy="0"/>
-          <a:chOff x="0" y="0"/>
-          <a:chExt cx="0" cy="0"/>
-        </a:xfrm>
-      </p:grpSpPr>
+      <p:grpSpPr/>
       <p:sp>
         <p:nvSpPr>
           <p:cNvPr id="2" name="Title 1"/>
@@ -3574,16 +3522,14 @@
             <a:spLocks noGrp="1"/>
           </p:cNvSpPr>
           <p:nvPr>
-            <p:ph sz="half" idx="1"/>
-          </p:nvPr>
-        </p:nvSpPr>
-        <p:spPr/>
-        <p:txBody>
-          <a:bodyPr/>
-          <a:lstStyle/>
-          <a:p>
-            <a:endParaRPr/>
-          </a:p>
+            <p:ph idx="1" sz="half"/>
+          </p:nvPr>
+        </p:nvSpPr>
+        <p:spPr/>
+        <p:txBody>
+          <a:bodyPr/>
+          <a:lstStyle/>
+          <a:p/>
         </p:txBody>
       </p:sp>
       <p:sp>
@@ -3593,16 +3539,14 @@
             <a:spLocks noGrp="1"/>
           </p:cNvSpPr>
           <p:nvPr>
-            <p:ph sz="half" idx="2"/>
-          </p:nvPr>
-        </p:nvSpPr>
-        <p:spPr/>
-        <p:txBody>
-          <a:bodyPr/>
-          <a:lstStyle/>
-          <a:p>
-            <a:endParaRPr/>
-          </a:p>
+            <p:ph idx="2" sz="half"/>
+          </p:nvPr>
+        </p:nvSpPr>
+        <p:spPr/>
+        <p:txBody>
+          <a:bodyPr/>
+          <a:lstStyle/>
+          <a:p/>
         </p:txBody>
       </p:sp>
     </p:spTree>
@@ -3614,7 +3558,7 @@
 </file>
 
 <file path=ppt/slides/slide6.xml><?xml version="1.0" encoding="utf-8"?>
-<p:sld xmlns:a="http://schemas.openxmlformats.org/drawingml/2006/main" xmlns:r="http://schemas.openxmlformats.org/officeDocument/2006/relationships" xmlns:p="http://schemas.openxmlformats.org/presentationml/2006/main">
+<p:sld xmlns:a="http://schemas.openxmlformats.org/drawingml/2006/main" xmlns:p="http://schemas.openxmlformats.org/presentationml/2006/main" xmlns:r="http://schemas.openxmlformats.org/officeDocument/2006/relationships">
   <p:cSld>
     <p:spTree>
       <p:nvGrpSpPr>
@@ -3622,14 +3566,7 @@
         <p:cNvGrpSpPr/>
         <p:nvPr/>
       </p:nvGrpSpPr>
-      <p:grpSpPr>
-        <a:xfrm>
-          <a:off x="0" y="0"/>
-          <a:ext cx="0" cy="0"/>
-          <a:chOff x="0" y="0"/>
-          <a:chExt cx="0" cy="0"/>
-        </a:xfrm>
-      </p:grpSpPr>
+      <p:grpSpPr/>
       <p:sp>
         <p:nvSpPr>
           <p:cNvPr id="2" name="Title 1"/>
@@ -3686,7 +3623,7 @@
 </file>
 
 <file path=ppt/slides/slide7.xml><?xml version="1.0" encoding="utf-8"?>
-<p:sld xmlns:a="http://schemas.openxmlformats.org/drawingml/2006/main" xmlns:r="http://schemas.openxmlformats.org/officeDocument/2006/relationships" xmlns:p="http://schemas.openxmlformats.org/presentationml/2006/main">
+<p:sld xmlns:a="http://schemas.openxmlformats.org/drawingml/2006/main" xmlns:p="http://schemas.openxmlformats.org/presentationml/2006/main" xmlns:r="http://schemas.openxmlformats.org/officeDocument/2006/relationships">
   <p:cSld>
     <p:spTree>
       <p:nvGrpSpPr>
@@ -3694,14 +3631,7 @@
         <p:cNvGrpSpPr/>
         <p:nvPr/>
       </p:nvGrpSpPr>
-      <p:grpSpPr>
-        <a:xfrm>
-          <a:off x="0" y="0"/>
-          <a:ext cx="0" cy="0"/>
-          <a:chOff x="0" y="0"/>
-          <a:chExt cx="0" cy="0"/>
-        </a:xfrm>
-      </p:grpSpPr>
+      <p:grpSpPr/>
       <p:sp>
         <p:nvSpPr>
           <p:cNvPr id="2" name="Title 1"/>
@@ -3737,9 +3667,7 @@
         <p:txBody>
           <a:bodyPr/>
           <a:lstStyle/>
-          <a:p>
-            <a:endParaRPr/>
-          </a:p>
+          <a:p/>
         </p:txBody>
       </p:sp>
     </p:spTree>
@@ -3751,7 +3679,7 @@
 </file>
 
 <file path=ppt/slides/slide8.xml><?xml version="1.0" encoding="utf-8"?>
-<p:sld xmlns:a="http://schemas.openxmlformats.org/drawingml/2006/main" xmlns:r="http://schemas.openxmlformats.org/officeDocument/2006/relationships" xmlns:p="http://schemas.openxmlformats.org/presentationml/2006/main">
+<p:sld xmlns:a="http://schemas.openxmlformats.org/drawingml/2006/main" xmlns:p="http://schemas.openxmlformats.org/presentationml/2006/main" xmlns:r="http://schemas.openxmlformats.org/officeDocument/2006/relationships">
   <p:cSld>
     <p:spTree>
       <p:nvGrpSpPr>
@@ -3759,14 +3687,7 @@
         <p:cNvGrpSpPr/>
         <p:nvPr/>
       </p:nvGrpSpPr>
-      <p:grpSpPr>
-        <a:xfrm>
-          <a:off x="0" y="0"/>
-          <a:ext cx="0" cy="0"/>
-          <a:chOff x="0" y="0"/>
-          <a:chExt cx="0" cy="0"/>
-        </a:xfrm>
-      </p:grpSpPr>
+      <p:grpSpPr/>
       <p:sp>
         <p:nvSpPr>
           <p:cNvPr id="2" name="Title 1"/>
@@ -3818,7 +3739,7 @@
 </file>
 
 <file path=ppt/slides/slide9.xml><?xml version="1.0" encoding="utf-8"?>
-<p:sld xmlns:a="http://schemas.openxmlformats.org/drawingml/2006/main" xmlns:r="http://schemas.openxmlformats.org/officeDocument/2006/relationships" xmlns:p="http://schemas.openxmlformats.org/presentationml/2006/main">
+<p:sld xmlns:a="http://schemas.openxmlformats.org/drawingml/2006/main" xmlns:p="http://schemas.openxmlformats.org/presentationml/2006/main" xmlns:r="http://schemas.openxmlformats.org/officeDocument/2006/relationships">
   <p:cSld>
     <p:spTree>
       <p:nvGrpSpPr>
@@ -3826,14 +3747,7 @@
         <p:cNvGrpSpPr/>
         <p:nvPr/>
       </p:nvGrpSpPr>
-      <p:grpSpPr>
-        <a:xfrm>
-          <a:off x="0" y="0"/>
-          <a:ext cx="0" cy="0"/>
-          <a:chOff x="0" y="0"/>
-          <a:chExt cx="0" cy="0"/>
-        </a:xfrm>
-      </p:grpSpPr>
+      <p:grpSpPr/>
       <p:sp>
         <p:nvSpPr>
           <p:cNvPr id="2" name="Title 1"/>
